--- a/PPTs/ProgramacionII_Clase_07-2018.pptx
+++ b/PPTs/ProgramacionII_Clase_07-2018.pptx
@@ -285,6 +285,11 @@
       </a:defRPr>
     </a:lvl9pPr>
   </p:defaultTextStyle>
+  <p:extLst>
+    <p:ext uri="{EFAFB233-063F-42B5-8137-9DF3F51BA10A}">
+      <p15:sldGuideLst xmlns:p15="http://schemas.microsoft.com/office/powerpoint/2012/main"/>
+    </p:ext>
+  </p:extLst>
 </p:presentation>
 </file>
 
@@ -32750,7 +32755,7 @@
               <a:buSzPts val="2220"/>
             </a:pPr>
             <a:r>
-              <a:rPr lang="es-AR" sz="2590" dirty="0" smtClean="0">
+              <a:rPr lang="es-AR" sz="2590" smtClean="0">
                 <a:effectLst>
                   <a:outerShdw blurRad="38100" dist="38100" dir="2700000" algn="tl">
                     <a:srgbClr val="000000">
@@ -32763,7 +32768,7 @@
                 <a:cs typeface="Source Sans Pro"/>
                 <a:sym typeface="Source Sans Pro"/>
               </a:rPr>
-              <a:t>Cuando </a:t>
+              <a:t>Cuando se </a:t>
             </a:r>
             <a:r>
               <a:rPr lang="es-AR" sz="2590" dirty="0">

--- a/PPTs/ProgramacionII_Clase_07-2018.pptx
+++ b/PPTs/ProgramacionII_Clase_07-2018.pptx
@@ -33,15 +33,15 @@
       <p:boldItalic r:id="rId19"/>
     </p:embeddedFont>
     <p:embeddedFont>
-      <p:font typeface="Consolas" panose="020B0609020204030204" pitchFamily="49" charset="0"/>
+      <p:font typeface="Source Sans Pro" panose="020B0503030403020204" pitchFamily="34" charset="0"/>
       <p:regular r:id="rId20"/>
-      <p:bold r:id="rId21"/>
-      <p:italic r:id="rId22"/>
-      <p:boldItalic r:id="rId23"/>
     </p:embeddedFont>
     <p:embeddedFont>
-      <p:font typeface="Source Sans Pro" panose="020B0503030403020204" pitchFamily="34" charset="0"/>
-      <p:regular r:id="rId24"/>
+      <p:font typeface="Consolas" panose="020B0609020204030204" pitchFamily="49" charset="0"/>
+      <p:regular r:id="rId21"/>
+      <p:bold r:id="rId22"/>
+      <p:italic r:id="rId23"/>
+      <p:boldItalic r:id="rId24"/>
     </p:embeddedFont>
     <p:embeddedFont>
       <p:font typeface="Franklin Gothic Medium" panose="020B0603020102020204" pitchFamily="34" charset="0"/>

--- a/PPTs/ProgramacionII_Clase_07-2018.pptx
+++ b/PPTs/ProgramacionII_Clase_07-2018.pptx
@@ -26,30 +26,30 @@
   <p:notesSz cx="6858000" cy="9144000"/>
   <p:embeddedFontLst>
     <p:embeddedFont>
-      <p:font typeface="Trebuchet MS" panose="020B0603020202020204" pitchFamily="34" charset="0"/>
+      <p:font typeface="Franklin Gothic Medium" panose="020B0603020102020204" pitchFamily="34" charset="0"/>
       <p:regular r:id="rId16"/>
-      <p:bold r:id="rId17"/>
-      <p:italic r:id="rId18"/>
-      <p:boldItalic r:id="rId19"/>
+      <p:italic r:id="rId17"/>
     </p:embeddedFont>
     <p:embeddedFont>
-      <p:font typeface="Source Sans Pro" panose="020B0503030403020204" pitchFamily="34" charset="0"/>
-      <p:regular r:id="rId20"/>
+      <p:font typeface="Calibri" panose="020F0502020204030204" pitchFamily="34" charset="0"/>
+      <p:regular r:id="rId18"/>
+      <p:bold r:id="rId19"/>
+      <p:italic r:id="rId20"/>
+      <p:boldItalic r:id="rId21"/>
+    </p:embeddedFont>
+    <p:embeddedFont>
+      <p:font typeface="Trebuchet MS" panose="020B0603020202020204" pitchFamily="34" charset="0"/>
+      <p:regular r:id="rId22"/>
+      <p:bold r:id="rId23"/>
+      <p:italic r:id="rId24"/>
+      <p:boldItalic r:id="rId25"/>
+    </p:embeddedFont>
+    <p:embeddedFont>
+      <p:font typeface="Source Sans Pro" panose="020B0604020202020204" charset="0"/>
+      <p:regular r:id="rId26"/>
     </p:embeddedFont>
     <p:embeddedFont>
       <p:font typeface="Consolas" panose="020B0609020204030204" pitchFamily="49" charset="0"/>
-      <p:regular r:id="rId21"/>
-      <p:bold r:id="rId22"/>
-      <p:italic r:id="rId23"/>
-      <p:boldItalic r:id="rId24"/>
-    </p:embeddedFont>
-    <p:embeddedFont>
-      <p:font typeface="Franklin Gothic Medium" panose="020B0603020102020204" pitchFamily="34" charset="0"/>
-      <p:regular r:id="rId25"/>
-      <p:italic r:id="rId26"/>
-    </p:embeddedFont>
-    <p:embeddedFont>
-      <p:font typeface="Calibri" panose="020F0502020204030204" pitchFamily="34" charset="0"/>
       <p:regular r:id="rId27"/>
       <p:bold r:id="rId28"/>
       <p:italic r:id="rId29"/>
@@ -29599,6 +29599,13 @@
   <p:clrMapOvr>
     <a:masterClrMapping/>
   </p:clrMapOvr>
+  <p:timing>
+    <p:tnLst>
+      <p:par>
+        <p:cTn id="1" dur="indefinite" restart="never" nodeType="tmRoot"/>
+      </p:par>
+    </p:tnLst>
+  </p:timing>
 </p:sld>
 </file>
 
@@ -30102,6 +30109,13 @@
   <p:clrMapOvr>
     <a:masterClrMapping/>
   </p:clrMapOvr>
+  <p:timing>
+    <p:tnLst>
+      <p:par>
+        <p:cTn id="1" dur="indefinite" restart="never" nodeType="tmRoot"/>
+      </p:par>
+    </p:tnLst>
+  </p:timing>
 </p:sld>
 </file>
 
@@ -30921,6 +30935,13 @@
   <p:clrMapOvr>
     <a:masterClrMapping/>
   </p:clrMapOvr>
+  <p:timing>
+    <p:tnLst>
+      <p:par>
+        <p:cTn id="1" dur="indefinite" restart="never" nodeType="tmRoot"/>
+      </p:par>
+    </p:tnLst>
+  </p:timing>
 </p:sld>
 </file>
 
@@ -31762,6 +31783,13 @@
   <p:clrMapOvr>
     <a:masterClrMapping/>
   </p:clrMapOvr>
+  <p:timing>
+    <p:tnLst>
+      <p:par>
+        <p:cTn id="1" dur="indefinite" restart="never" nodeType="tmRoot"/>
+      </p:par>
+    </p:tnLst>
+  </p:timing>
 </p:sld>
 </file>
 
@@ -31878,8 +31906,31 @@
                 <a:spcPts val="100"/>
               </a:spcBef>
             </a:pPr>
+            <a:endParaRPr lang="es-AR" sz="2590" dirty="0" smtClean="0">
+              <a:effectLst>
+                <a:outerShdw blurRad="38100" dist="38100" dir="2700000" algn="tl">
+                  <a:srgbClr val="000000">
+                    <a:alpha val="43137"/>
+                  </a:srgbClr>
+                </a:outerShdw>
+              </a:effectLst>
+              <a:latin typeface="Franklin Gothic Medium" panose="020B0603020102020204" pitchFamily="34" charset="0"/>
+              <a:ea typeface="Source Sans Pro"/>
+              <a:cs typeface="Source Sans Pro"/>
+              <a:sym typeface="Source Sans Pro"/>
+            </a:endParaRPr>
+          </a:p>
+          <a:p>
+            <a:pPr indent="-457200">
+              <a:lnSpc>
+                <a:spcPct val="100000"/>
+              </a:lnSpc>
+              <a:spcBef>
+                <a:spcPts val="100"/>
+              </a:spcBef>
+            </a:pPr>
             <a:r>
-              <a:rPr lang="es-AR" sz="2590" smtClean="0">
+              <a:rPr lang="es-AR" sz="2590" dirty="0" smtClean="0">
                 <a:effectLst>
                   <a:outerShdw blurRad="38100" dist="38100" dir="2700000" algn="tl">
                     <a:srgbClr val="000000">
@@ -31908,26 +31959,10 @@
                 <a:cs typeface="Source Sans Pro"/>
                 <a:sym typeface="Source Sans Pro"/>
               </a:rPr>
-              <a:t>todas las colecciones tienen las </a:t>
+              <a:t>todas las colecciones tienen las mismas </a:t>
             </a:r>
             <a:r>
-              <a:rPr lang="es-AR" sz="2590">
-                <a:effectLst>
-                  <a:outerShdw blurRad="38100" dist="38100" dir="2700000" algn="tl">
-                    <a:srgbClr val="000000">
-                      <a:alpha val="43137"/>
-                    </a:srgbClr>
-                  </a:outerShdw>
-                </a:effectLst>
-                <a:latin typeface="Franklin Gothic Medium" panose="020B0603020102020204" pitchFamily="34" charset="0"/>
-                <a:ea typeface="Source Sans Pro"/>
-                <a:cs typeface="Source Sans Pro"/>
-                <a:sym typeface="Source Sans Pro"/>
-              </a:rPr>
-              <a:t>mismas </a:t>
-            </a:r>
-            <a:r>
-              <a:rPr lang="es-AR" sz="2590" smtClean="0">
+              <a:rPr lang="es-AR" sz="2590" dirty="0" smtClean="0">
                 <a:effectLst>
                   <a:outerShdw blurRad="38100" dist="38100" dir="2700000" algn="tl">
                     <a:srgbClr val="000000">
@@ -31952,7 +31987,30 @@
                 <a:spcPts val="100"/>
               </a:spcBef>
             </a:pPr>
-            <a:endParaRPr lang="es-AR" sz="2590" smtClean="0">
+            <a:endParaRPr lang="es-ES" sz="2590" dirty="0" smtClean="0">
+              <a:effectLst>
+                <a:outerShdw blurRad="38100" dist="38100" dir="2700000" algn="tl">
+                  <a:srgbClr val="000000">
+                    <a:alpha val="43137"/>
+                  </a:srgbClr>
+                </a:outerShdw>
+              </a:effectLst>
+              <a:latin typeface="Franklin Gothic Medium" panose="020B0603020102020204" pitchFamily="34" charset="0"/>
+              <a:ea typeface="Source Sans Pro"/>
+              <a:cs typeface="Source Sans Pro"/>
+              <a:sym typeface="Source Sans Pro"/>
+            </a:endParaRPr>
+          </a:p>
+          <a:p>
+            <a:pPr indent="-457200">
+              <a:lnSpc>
+                <a:spcPct val="100000"/>
+              </a:lnSpc>
+              <a:spcBef>
+                <a:spcPts val="100"/>
+              </a:spcBef>
+            </a:pPr>
+            <a:endParaRPr lang="es-AR" sz="2590" dirty="0" smtClean="0">
               <a:effectLst>
                 <a:outerShdw blurRad="38100" dist="38100" dir="2700000" algn="tl">
                   <a:srgbClr val="000000">
@@ -32005,31 +32063,24 @@
                 <a:cs typeface="Source Sans Pro"/>
                 <a:sym typeface="Source Sans Pro"/>
               </a:rPr>
-              <a:t>ejemplo:</a:t>
+              <a:t>ejemplo</a:t>
             </a:r>
-            <a:endParaRPr sz="2590" dirty="0">
-              <a:effectLst>
-                <a:outerShdw blurRad="38100" dist="38100" dir="2700000" algn="tl">
-                  <a:srgbClr val="000000">
-                    <a:alpha val="43137"/>
-                  </a:srgbClr>
-                </a:outerShdw>
-              </a:effectLst>
-              <a:latin typeface="Franklin Gothic Medium" panose="020B0603020102020204" pitchFamily="34" charset="0"/>
-              <a:ea typeface="Source Sans Pro"/>
-              <a:cs typeface="Source Sans Pro"/>
-              <a:sym typeface="Source Sans Pro"/>
-            </a:endParaRPr>
-          </a:p>
-          <a:p>
-            <a:pPr marL="1371600" indent="-457200">
-              <a:lnSpc>
-                <a:spcPct val="100000"/>
-              </a:lnSpc>
-              <a:spcBef>
-                <a:spcPts val="100"/>
-              </a:spcBef>
-            </a:pPr>
+            <a:r>
+              <a:rPr lang="es-AR" sz="2590" dirty="0" smtClean="0">
+                <a:effectLst>
+                  <a:outerShdw blurRad="38100" dist="38100" dir="2700000" algn="tl">
+                    <a:srgbClr val="000000">
+                      <a:alpha val="43137"/>
+                    </a:srgbClr>
+                  </a:outerShdw>
+                </a:effectLst>
+                <a:latin typeface="Franklin Gothic Medium" panose="020B0603020102020204" pitchFamily="34" charset="0"/>
+                <a:ea typeface="Source Sans Pro"/>
+                <a:cs typeface="Source Sans Pro"/>
+                <a:sym typeface="Source Sans Pro"/>
+              </a:rPr>
+              <a:t>:</a:t>
+            </a:r>
             <a:endParaRPr sz="2590" dirty="0">
               <a:effectLst>
                 <a:outerShdw blurRad="38100" dist="38100" dir="2700000" algn="tl">
@@ -32070,31 +32121,24 @@
                 <a:cs typeface="Source Sans Pro"/>
                 <a:sym typeface="Source Sans Pro"/>
               </a:rPr>
-              <a:t>Las colas y pilas no pueden ordenarse en si mismas.</a:t>
+              <a:t>Las colas y pilas no pueden ordenarse en si mismas</a:t>
             </a:r>
-            <a:endParaRPr sz="2190" dirty="0">
-              <a:effectLst>
-                <a:outerShdw blurRad="38100" dist="38100" dir="2700000" algn="tl">
-                  <a:srgbClr val="000000">
-                    <a:alpha val="43137"/>
-                  </a:srgbClr>
-                </a:outerShdw>
-              </a:effectLst>
-              <a:latin typeface="Franklin Gothic Medium" panose="020B0603020102020204" pitchFamily="34" charset="0"/>
-              <a:ea typeface="Source Sans Pro"/>
-              <a:cs typeface="Source Sans Pro"/>
-              <a:sym typeface="Source Sans Pro"/>
-            </a:endParaRPr>
-          </a:p>
-          <a:p>
-            <a:pPr marL="1371600" indent="-457200">
-              <a:lnSpc>
-                <a:spcPct val="100000"/>
-              </a:lnSpc>
-              <a:spcBef>
-                <a:spcPts val="100"/>
-              </a:spcBef>
-            </a:pPr>
+            <a:r>
+              <a:rPr lang="es-AR" sz="2190" dirty="0" smtClean="0">
+                <a:effectLst>
+                  <a:outerShdw blurRad="38100" dist="38100" dir="2700000" algn="tl">
+                    <a:srgbClr val="000000">
+                      <a:alpha val="43137"/>
+                    </a:srgbClr>
+                  </a:outerShdw>
+                </a:effectLst>
+                <a:latin typeface="Franklin Gothic Medium" panose="020B0603020102020204" pitchFamily="34" charset="0"/>
+                <a:ea typeface="Source Sans Pro"/>
+                <a:cs typeface="Source Sans Pro"/>
+                <a:sym typeface="Source Sans Pro"/>
+              </a:rPr>
+              <a:t>.</a:t>
+            </a:r>
             <a:endParaRPr sz="2590" dirty="0">
               <a:effectLst>
                 <a:outerShdw blurRad="38100" dist="38100" dir="2700000" algn="tl">
@@ -32171,6 +32215,13 @@
   <p:clrMapOvr>
     <a:masterClrMapping/>
   </p:clrMapOvr>
+  <p:timing>
+    <p:tnLst>
+      <p:par>
+        <p:cTn id="1" dur="indefinite" restart="never" nodeType="tmRoot"/>
+      </p:par>
+    </p:tnLst>
+  </p:timing>
 </p:sld>
 </file>
 
@@ -32502,6 +32553,13 @@
   <p:clrMapOvr>
     <a:masterClrMapping/>
   </p:clrMapOvr>
+  <p:timing>
+    <p:tnLst>
+      <p:par>
+        <p:cTn id="1" dur="indefinite" restart="never" nodeType="tmRoot"/>
+      </p:par>
+    </p:tnLst>
+  </p:timing>
 </p:sld>
 </file>
 
@@ -32820,6 +32878,13 @@
   <p:clrMapOvr>
     <a:masterClrMapping/>
   </p:clrMapOvr>
+  <p:timing>
+    <p:tnLst>
+      <p:par>
+        <p:cTn id="1" dur="indefinite" restart="never" nodeType="tmRoot"/>
+      </p:par>
+    </p:tnLst>
+  </p:timing>
 </p:sld>
 </file>
 
@@ -34219,6 +34284,13 @@
   <p:clrMapOvr>
     <a:masterClrMapping/>
   </p:clrMapOvr>
+  <p:timing>
+    <p:tnLst>
+      <p:par>
+        <p:cTn id="1" dur="indefinite" restart="never" nodeType="tmRoot"/>
+      </p:par>
+    </p:tnLst>
+  </p:timing>
 </p:sld>
 </file>
 
@@ -35066,6 +35138,13 @@
   <p:clrMapOvr>
     <a:masterClrMapping/>
   </p:clrMapOvr>
+  <p:timing>
+    <p:tnLst>
+      <p:par>
+        <p:cTn id="1" dur="indefinite" restart="never" nodeType="tmRoot"/>
+      </p:par>
+    </p:tnLst>
+  </p:timing>
 </p:sld>
 </file>
 
@@ -35458,6 +35537,13 @@
   <p:clrMapOvr>
     <a:masterClrMapping/>
   </p:clrMapOvr>
+  <p:timing>
+    <p:tnLst>
+      <p:par>
+        <p:cTn id="1" dur="indefinite" restart="never" nodeType="tmRoot"/>
+      </p:par>
+    </p:tnLst>
+  </p:timing>
 </p:sld>
 </file>
 
@@ -35910,6 +35996,13 @@
   <p:clrMapOvr>
     <a:masterClrMapping/>
   </p:clrMapOvr>
+  <p:timing>
+    <p:tnLst>
+      <p:par>
+        <p:cTn id="1" dur="indefinite" restart="never" nodeType="tmRoot"/>
+      </p:par>
+    </p:tnLst>
+  </p:timing>
 </p:sld>
 </file>
 
@@ -36287,6 +36380,13 @@
   <p:clrMapOvr>
     <a:masterClrMapping/>
   </p:clrMapOvr>
+  <p:timing>
+    <p:tnLst>
+      <p:par>
+        <p:cTn id="1" dur="indefinite" restart="never" nodeType="tmRoot"/>
+      </p:par>
+    </p:tnLst>
+  </p:timing>
 </p:sld>
 </file>
 
@@ -36663,6 +36763,13 @@
   <p:clrMapOvr>
     <a:masterClrMapping/>
   </p:clrMapOvr>
+  <p:timing>
+    <p:tnLst>
+      <p:par>
+        <p:cTn id="1" dur="indefinite" restart="never" nodeType="tmRoot"/>
+      </p:par>
+    </p:tnLst>
+  </p:timing>
 </p:sld>
 </file>
 
